--- a/Bharat Nav.pptx
+++ b/Bharat Nav.pptx
@@ -261,7 +261,7 @@
           <a:p>
             <a:fld id="{7AB787EE-5DA9-4394-8729-FCA061CCE634}" type="datetimeFigureOut">
               <a:rPr lang="en-IN" smtClean="0"/>
-              <a:t>02-10-19</a:t>
+              <a:t>13-10-19</a:t>
             </a:fld>
             <a:endParaRPr lang="en-IN"/>
           </a:p>
@@ -472,7 +472,7 @@
           <a:p>
             <a:fld id="{7AB787EE-5DA9-4394-8729-FCA061CCE634}" type="datetimeFigureOut">
               <a:rPr lang="en-IN" smtClean="0"/>
-              <a:t>02-10-19</a:t>
+              <a:t>13-10-19</a:t>
             </a:fld>
             <a:endParaRPr lang="en-IN"/>
           </a:p>
@@ -687,7 +687,7 @@
           <a:p>
             <a:fld id="{7AB787EE-5DA9-4394-8729-FCA061CCE634}" type="datetimeFigureOut">
               <a:rPr lang="en-IN" smtClean="0"/>
-              <a:t>02-10-19</a:t>
+              <a:t>13-10-19</a:t>
             </a:fld>
             <a:endParaRPr lang="en-IN"/>
           </a:p>
@@ -888,7 +888,7 @@
           <a:p>
             <a:fld id="{7AB787EE-5DA9-4394-8729-FCA061CCE634}" type="datetimeFigureOut">
               <a:rPr lang="en-IN" smtClean="0"/>
-              <a:t>02-10-19</a:t>
+              <a:t>13-10-19</a:t>
             </a:fld>
             <a:endParaRPr lang="en-IN"/>
           </a:p>
@@ -1167,7 +1167,7 @@
           <a:p>
             <a:fld id="{7AB787EE-5DA9-4394-8729-FCA061CCE634}" type="datetimeFigureOut">
               <a:rPr lang="en-IN" smtClean="0"/>
-              <a:t>02-10-19</a:t>
+              <a:t>13-10-19</a:t>
             </a:fld>
             <a:endParaRPr lang="en-IN"/>
           </a:p>
@@ -1435,7 +1435,7 @@
           <a:p>
             <a:fld id="{7AB787EE-5DA9-4394-8729-FCA061CCE634}" type="datetimeFigureOut">
               <a:rPr lang="en-IN" smtClean="0"/>
-              <a:t>02-10-19</a:t>
+              <a:t>13-10-19</a:t>
             </a:fld>
             <a:endParaRPr lang="en-IN"/>
           </a:p>
@@ -1851,7 +1851,7 @@
           <a:p>
             <a:fld id="{7AB787EE-5DA9-4394-8729-FCA061CCE634}" type="datetimeFigureOut">
               <a:rPr lang="en-IN" smtClean="0"/>
-              <a:t>02-10-19</a:t>
+              <a:t>13-10-19</a:t>
             </a:fld>
             <a:endParaRPr lang="en-IN"/>
           </a:p>
@@ -2000,7 +2000,7 @@
           <a:p>
             <a:fld id="{7AB787EE-5DA9-4394-8729-FCA061CCE634}" type="datetimeFigureOut">
               <a:rPr lang="en-IN" smtClean="0"/>
-              <a:t>02-10-19</a:t>
+              <a:t>13-10-19</a:t>
             </a:fld>
             <a:endParaRPr lang="en-IN"/>
           </a:p>
@@ -2126,7 +2126,7 @@
           <a:p>
             <a:fld id="{7AB787EE-5DA9-4394-8729-FCA061CCE634}" type="datetimeFigureOut">
               <a:rPr lang="en-IN" smtClean="0"/>
-              <a:t>02-10-19</a:t>
+              <a:t>13-10-19</a:t>
             </a:fld>
             <a:endParaRPr lang="en-IN"/>
           </a:p>
@@ -2377,7 +2377,7 @@
           <a:p>
             <a:fld id="{7AB787EE-5DA9-4394-8729-FCA061CCE634}" type="datetimeFigureOut">
               <a:rPr lang="en-IN" smtClean="0"/>
-              <a:t>02-10-19</a:t>
+              <a:t>13-10-19</a:t>
             </a:fld>
             <a:endParaRPr lang="en-IN"/>
           </a:p>
@@ -2822,7 +2822,7 @@
           <a:p>
             <a:fld id="{7AB787EE-5DA9-4394-8729-FCA061CCE634}" type="datetimeFigureOut">
               <a:rPr lang="en-IN" smtClean="0"/>
-              <a:t>02-10-19</a:t>
+              <a:t>13-10-19</a:t>
             </a:fld>
             <a:endParaRPr lang="en-IN"/>
           </a:p>
@@ -3149,7 +3149,7 @@
           <a:p>
             <a:fld id="{7AB787EE-5DA9-4394-8729-FCA061CCE634}" type="datetimeFigureOut">
               <a:rPr lang="en-IN" smtClean="0"/>
-              <a:t>02-10-19</a:t>
+              <a:t>13-10-19</a:t>
             </a:fld>
             <a:endParaRPr lang="en-IN"/>
           </a:p>
@@ -4628,10 +4628,14 @@
           </a:p>
           <a:p>
             <a:r>
-              <a:rPr lang="en-IN" dirty="0">
+              <a:rPr lang="en-IN"/>
+              <a:t> </a:t>
+            </a:r>
+            <a:r>
+              <a:rPr lang="en-IN" u="sng">
                 <a:hlinkClick r:id="rId2"/>
               </a:rPr>
-              <a:t>https://obscure-taiga-70475.herokuapp.com</a:t>
+              <a:t>https://bharat-nav.herokuapp.com</a:t>
             </a:r>
             <a:endParaRPr lang="en-IN" dirty="0"/>
           </a:p>
